--- a/Java e Android.pptx
+++ b/Java e Android.pptx
@@ -5,29 +5,30 @@
     <p:sldMasterId id="2147483654" r:id="rId1"/>
   </p:sldMasterIdLst>
   <p:notesMasterIdLst>
-    <p:notesMasterId r:id="rId12"/>
+    <p:notesMasterId r:id="rId13"/>
   </p:notesMasterIdLst>
   <p:sldIdLst>
     <p:sldId id="256" r:id="rId2"/>
     <p:sldId id="257" r:id="rId3"/>
     <p:sldId id="258" r:id="rId4"/>
     <p:sldId id="267" r:id="rId5"/>
-    <p:sldId id="265" r:id="rId6"/>
-    <p:sldId id="264" r:id="rId7"/>
-    <p:sldId id="266" r:id="rId8"/>
-    <p:sldId id="263" r:id="rId9"/>
-    <p:sldId id="261" r:id="rId10"/>
-    <p:sldId id="262" r:id="rId11"/>
+    <p:sldId id="268" r:id="rId6"/>
+    <p:sldId id="265" r:id="rId7"/>
+    <p:sldId id="264" r:id="rId8"/>
+    <p:sldId id="266" r:id="rId9"/>
+    <p:sldId id="263" r:id="rId10"/>
+    <p:sldId id="261" r:id="rId11"/>
+    <p:sldId id="262" r:id="rId12"/>
   </p:sldIdLst>
   <p:sldSz cx="9144000" cy="5143500" type="screen16x9"/>
   <p:notesSz cx="6858000" cy="9144000"/>
   <p:embeddedFontLst>
     <p:embeddedFont>
       <p:font typeface="Ubuntu" panose="020B0604020202020204" charset="0"/>
-      <p:regular r:id="rId13"/>
-      <p:bold r:id="rId14"/>
-      <p:italic r:id="rId15"/>
-      <p:boldItalic r:id="rId16"/>
+      <p:regular r:id="rId14"/>
+      <p:bold r:id="rId15"/>
+      <p:italic r:id="rId16"/>
+      <p:boldItalic r:id="rId17"/>
     </p:embeddedFont>
   </p:embeddedFontLst>
   <p:defaultTextStyle>
@@ -603,6 +604,107 @@
   <p:cSld>
     <p:spTree>
       <p:nvGrpSpPr>
+        <p:cNvPr id="1" name="Shape 63"/>
+        <p:cNvGrpSpPr/>
+        <p:nvPr/>
+      </p:nvGrpSpPr>
+      <p:grpSpPr>
+        <a:xfrm>
+          <a:off x="0" y="0"/>
+          <a:ext cx="0" cy="0"/>
+          <a:chOff x="0" y="0"/>
+          <a:chExt cx="0" cy="0"/>
+        </a:xfrm>
+      </p:grpSpPr>
+      <p:sp>
+        <p:nvSpPr>
+          <p:cNvPr id="64" name="Shape 64"/>
+          <p:cNvSpPr>
+            <a:spLocks noGrp="1" noRot="1" noChangeAspect="1"/>
+          </p:cNvSpPr>
+          <p:nvPr>
+            <p:ph type="sldImg" idx="2"/>
+          </p:nvPr>
+        </p:nvSpPr>
+        <p:spPr>
+          <a:xfrm>
+            <a:off x="381000" y="685800"/>
+            <a:ext cx="6096000" cy="3429000"/>
+          </a:xfrm>
+          <a:custGeom>
+            <a:avLst/>
+            <a:gdLst/>
+            <a:ahLst/>
+            <a:cxnLst/>
+            <a:rect l="0" t="0" r="0" b="0"/>
+            <a:pathLst>
+              <a:path w="120000" h="120000" extrusionOk="0">
+                <a:moveTo>
+                  <a:pt x="0" y="0"/>
+                </a:moveTo>
+                <a:lnTo>
+                  <a:pt x="120000" y="0"/>
+                </a:lnTo>
+                <a:lnTo>
+                  <a:pt x="120000" y="120000"/>
+                </a:lnTo>
+                <a:lnTo>
+                  <a:pt x="0" y="120000"/>
+                </a:lnTo>
+                <a:close/>
+              </a:path>
+            </a:pathLst>
+          </a:custGeom>
+        </p:spPr>
+      </p:sp>
+      <p:sp>
+        <p:nvSpPr>
+          <p:cNvPr id="65" name="Shape 65"/>
+          <p:cNvSpPr txBox="1">
+            <a:spLocks noGrp="1"/>
+          </p:cNvSpPr>
+          <p:nvPr>
+            <p:ph type="body" idx="1"/>
+          </p:nvPr>
+        </p:nvSpPr>
+        <p:spPr>
+          <a:xfrm>
+            <a:off x="685800" y="4343400"/>
+            <a:ext cx="5486399" cy="4114800"/>
+          </a:xfrm>
+          <a:prstGeom prst="rect">
+            <a:avLst/>
+          </a:prstGeom>
+        </p:spPr>
+        <p:txBody>
+          <a:bodyPr lIns="91425" tIns="91425" rIns="91425" bIns="91425" anchor="t" anchorCtr="0">
+            <a:noAutofit/>
+          </a:bodyPr>
+          <a:lstStyle/>
+          <a:p>
+            <a:pPr lvl="0">
+              <a:spcBef>
+                <a:spcPts val="0"/>
+              </a:spcBef>
+              <a:buNone/>
+            </a:pPr>
+            <a:endParaRPr/>
+          </a:p>
+        </p:txBody>
+      </p:sp>
+    </p:spTree>
+  </p:cSld>
+  <p:clrMapOvr>
+    <a:masterClrMapping/>
+  </p:clrMapOvr>
+</p:notes>
+</file>
+
+<file path=ppt/notesSlides/notesSlide11.xml><?xml version="1.0" encoding="utf-8"?>
+<p:notes xmlns:a="http://schemas.openxmlformats.org/drawingml/2006/main" xmlns:r="http://schemas.openxmlformats.org/officeDocument/2006/relationships" xmlns:p="http://schemas.openxmlformats.org/presentationml/2006/main" showMasterSp="0" showMasterPhAnim="0">
+  <p:cSld>
+    <p:spTree>
+      <p:nvGrpSpPr>
         <p:cNvPr id="1" name="Shape 70"/>
         <p:cNvGrpSpPr/>
         <p:nvPr/>
@@ -1103,7 +1205,7 @@
     </p:spTree>
     <p:extLst>
       <p:ext uri="{BB962C8B-B14F-4D97-AF65-F5344CB8AC3E}">
-        <p14:creationId xmlns:p14="http://schemas.microsoft.com/office/powerpoint/2010/main" val="3332919637"/>
+        <p14:creationId xmlns:p14="http://schemas.microsoft.com/office/powerpoint/2010/main" val="431835849"/>
       </p:ext>
     </p:extLst>
   </p:cSld>
@@ -1209,7 +1311,7 @@
     </p:spTree>
     <p:extLst>
       <p:ext uri="{BB962C8B-B14F-4D97-AF65-F5344CB8AC3E}">
-        <p14:creationId xmlns:p14="http://schemas.microsoft.com/office/powerpoint/2010/main" val="1323880250"/>
+        <p14:creationId xmlns:p14="http://schemas.microsoft.com/office/powerpoint/2010/main" val="3332919637"/>
       </p:ext>
     </p:extLst>
   </p:cSld>
@@ -1315,7 +1417,7 @@
     </p:spTree>
     <p:extLst>
       <p:ext uri="{BB962C8B-B14F-4D97-AF65-F5344CB8AC3E}">
-        <p14:creationId xmlns:p14="http://schemas.microsoft.com/office/powerpoint/2010/main" val="1500265335"/>
+        <p14:creationId xmlns:p14="http://schemas.microsoft.com/office/powerpoint/2010/main" val="1323880250"/>
       </p:ext>
     </p:extLst>
   </p:cSld>
@@ -1421,7 +1523,7 @@
     </p:spTree>
     <p:extLst>
       <p:ext uri="{BB962C8B-B14F-4D97-AF65-F5344CB8AC3E}">
-        <p14:creationId xmlns:p14="http://schemas.microsoft.com/office/powerpoint/2010/main" val="688838732"/>
+        <p14:creationId xmlns:p14="http://schemas.microsoft.com/office/powerpoint/2010/main" val="1500265335"/>
       </p:ext>
     </p:extLst>
   </p:cSld>
@@ -1436,7 +1538,7 @@
   <p:cSld>
     <p:spTree>
       <p:nvGrpSpPr>
-        <p:cNvPr id="1" name="Shape 63"/>
+        <p:cNvPr id="1" name="Shape 49"/>
         <p:cNvGrpSpPr/>
         <p:nvPr/>
       </p:nvGrpSpPr>
@@ -1450,7 +1552,7 @@
       </p:grpSpPr>
       <p:sp>
         <p:nvSpPr>
-          <p:cNvPr id="64" name="Shape 64"/>
+          <p:cNvPr id="50" name="Shape 50"/>
           <p:cNvSpPr>
             <a:spLocks noGrp="1" noRot="1" noChangeAspect="1"/>
           </p:cNvSpPr>
@@ -1491,7 +1593,7 @@
       </p:sp>
       <p:sp>
         <p:nvSpPr>
-          <p:cNvPr id="65" name="Shape 65"/>
+          <p:cNvPr id="51" name="Shape 51"/>
           <p:cNvSpPr txBox="1">
             <a:spLocks noGrp="1"/>
           </p:cNvSpPr>
@@ -1525,6 +1627,11 @@
         </p:txBody>
       </p:sp>
     </p:spTree>
+    <p:extLst>
+      <p:ext uri="{BB962C8B-B14F-4D97-AF65-F5344CB8AC3E}">
+        <p14:creationId xmlns:p14="http://schemas.microsoft.com/office/powerpoint/2010/main" val="688838732"/>
+      </p:ext>
+    </p:extLst>
   </p:cSld>
   <p:clrMapOvr>
     <a:masterClrMapping/>
@@ -3614,6 +3721,198 @@
   <p:cSld>
     <p:spTree>
       <p:nvGrpSpPr>
+        <p:cNvPr id="1" name="Shape 66"/>
+        <p:cNvGrpSpPr/>
+        <p:nvPr/>
+      </p:nvGrpSpPr>
+      <p:grpSpPr>
+        <a:xfrm>
+          <a:off x="0" y="0"/>
+          <a:ext cx="0" cy="0"/>
+          <a:chOff x="0" y="0"/>
+          <a:chExt cx="0" cy="0"/>
+        </a:xfrm>
+      </p:grpSpPr>
+      <p:sp>
+        <p:nvSpPr>
+          <p:cNvPr id="67" name="Shape 67"/>
+          <p:cNvSpPr txBox="1">
+            <a:spLocks noGrp="1"/>
+          </p:cNvSpPr>
+          <p:nvPr>
+            <p:ph type="title"/>
+          </p:nvPr>
+        </p:nvSpPr>
+        <p:spPr>
+          <a:xfrm>
+            <a:off x="1106400" y="2241523"/>
+            <a:ext cx="7000200" cy="722100"/>
+          </a:xfrm>
+          <a:prstGeom prst="rect">
+            <a:avLst/>
+          </a:prstGeom>
+        </p:spPr>
+        <p:txBody>
+          <a:bodyPr lIns="91425" tIns="91425" rIns="91425" bIns="91425" anchor="ctr" anchorCtr="0">
+            <a:noAutofit/>
+          </a:bodyPr>
+          <a:lstStyle/>
+          <a:p>
+            <a:pPr lvl="0" algn="ctr" rtl="0">
+              <a:spcBef>
+                <a:spcPts val="0"/>
+              </a:spcBef>
+              <a:buNone/>
+            </a:pPr>
+            <a:r>
+              <a:rPr lang="en" sz="5000">
+                <a:solidFill>
+                  <a:srgbClr val="8C8C8C"/>
+                </a:solidFill>
+                <a:latin typeface="Ubuntu"/>
+                <a:ea typeface="Ubuntu"/>
+                <a:cs typeface="Ubuntu"/>
+                <a:sym typeface="Ubuntu"/>
+              </a:rPr>
+              <a:t>Obrigado</a:t>
+            </a:r>
+          </a:p>
+        </p:txBody>
+      </p:sp>
+      <p:sp>
+        <p:nvSpPr>
+          <p:cNvPr id="68" name="Shape 68"/>
+          <p:cNvSpPr txBox="1">
+            <a:spLocks noGrp="1"/>
+          </p:cNvSpPr>
+          <p:nvPr>
+            <p:ph type="title"/>
+          </p:nvPr>
+        </p:nvSpPr>
+        <p:spPr>
+          <a:xfrm rot="929954">
+            <a:off x="1106400" y="3052700"/>
+            <a:ext cx="7000200" cy="1481700"/>
+          </a:xfrm>
+          <a:prstGeom prst="rect">
+            <a:avLst/>
+          </a:prstGeom>
+        </p:spPr>
+        <p:txBody>
+          <a:bodyPr lIns="91425" tIns="91425" rIns="91425" bIns="91425" anchor="t" anchorCtr="0">
+            <a:noAutofit/>
+          </a:bodyPr>
+          <a:lstStyle/>
+          <a:p>
+            <a:pPr lvl="0" algn="ctr" rtl="0">
+              <a:lnSpc>
+                <a:spcPct val="100000"/>
+              </a:lnSpc>
+              <a:spcBef>
+                <a:spcPts val="0"/>
+              </a:spcBef>
+              <a:buNone/>
+            </a:pPr>
+            <a:r>
+              <a:rPr lang="pt-BR" sz="2000" b="0" dirty="0">
+                <a:solidFill>
+                  <a:srgbClr val="A4A4A4"/>
+                </a:solidFill>
+                <a:latin typeface="Ubuntu"/>
+                <a:ea typeface="Ubuntu"/>
+                <a:cs typeface="Ubuntu"/>
+                <a:sym typeface="Ubuntu"/>
+              </a:rPr>
+              <a:t>e</a:t>
+            </a:r>
+            <a:r>
+              <a:rPr lang="en" sz="2000" b="0" dirty="0" smtClean="0">
+                <a:solidFill>
+                  <a:srgbClr val="A4A4A4"/>
+                </a:solidFill>
+                <a:latin typeface="Ubuntu"/>
+                <a:ea typeface="Ubuntu"/>
+                <a:cs typeface="Ubuntu"/>
+                <a:sym typeface="Ubuntu"/>
+              </a:rPr>
+              <a:t>duardo.carvalho@akuntsu.com.br</a:t>
+            </a:r>
+            <a:endParaRPr lang="en" sz="2000" b="0" dirty="0">
+              <a:solidFill>
+                <a:srgbClr val="A4A4A4"/>
+              </a:solidFill>
+              <a:latin typeface="Ubuntu"/>
+              <a:ea typeface="Ubuntu"/>
+              <a:cs typeface="Ubuntu"/>
+              <a:sym typeface="Ubuntu"/>
+            </a:endParaRPr>
+          </a:p>
+          <a:p>
+            <a:pPr lvl="0" algn="l" rtl="0">
+              <a:lnSpc>
+                <a:spcPct val="100000"/>
+              </a:lnSpc>
+              <a:spcBef>
+                <a:spcPts val="0"/>
+              </a:spcBef>
+              <a:buNone/>
+            </a:pPr>
+            <a:endParaRPr sz="2000" b="0" dirty="0">
+              <a:solidFill>
+                <a:srgbClr val="B7B7B7"/>
+              </a:solidFill>
+              <a:latin typeface="Ubuntu"/>
+              <a:ea typeface="Ubuntu"/>
+              <a:cs typeface="Ubuntu"/>
+              <a:sym typeface="Ubuntu"/>
+            </a:endParaRPr>
+          </a:p>
+        </p:txBody>
+      </p:sp>
+      <p:pic>
+        <p:nvPicPr>
+          <p:cNvPr id="69" name="Shape 69"/>
+          <p:cNvPicPr preferRelativeResize="0"/>
+          <p:nvPr/>
+        </p:nvPicPr>
+        <p:blipFill>
+          <a:blip r:embed="rId3">
+            <a:alphaModFix/>
+          </a:blip>
+          <a:stretch>
+            <a:fillRect/>
+          </a:stretch>
+        </p:blipFill>
+        <p:spPr>
+          <a:xfrm>
+            <a:off x="7695475" y="4659770"/>
+            <a:ext cx="1296121" cy="331325"/>
+          </a:xfrm>
+          <a:prstGeom prst="rect">
+            <a:avLst/>
+          </a:prstGeom>
+          <a:noFill/>
+          <a:ln>
+            <a:noFill/>
+          </a:ln>
+        </p:spPr>
+      </p:pic>
+    </p:spTree>
+  </p:cSld>
+  <p:clrMapOvr>
+    <a:masterClrMapping/>
+  </p:clrMapOvr>
+  <p:transition spd="slow">
+    <p:cut/>
+  </p:transition>
+</p:sld>
+</file>
+
+<file path=ppt/slides/slide11.xml><?xml version="1.0" encoding="utf-8"?>
+<p:sld xmlns:a="http://schemas.openxmlformats.org/drawingml/2006/main" xmlns:r="http://schemas.openxmlformats.org/officeDocument/2006/relationships" xmlns:p="http://schemas.openxmlformats.org/presentationml/2006/main">
+  <p:cSld>
+    <p:spTree>
+      <p:nvGrpSpPr>
         <p:cNvPr id="1" name="Shape 73"/>
         <p:cNvGrpSpPr/>
         <p:nvPr/>
@@ -4291,7 +4590,7 @@
                 <a:cs typeface="Ubuntu"/>
                 <a:sym typeface="Ubuntu"/>
               </a:rPr>
-              <a:t>Criando uma nova Activity	</a:t>
+              <a:t>Características</a:t>
             </a:r>
             <a:endParaRPr lang="en" sz="3000" b="0" dirty="0">
               <a:solidFill>
@@ -4414,7 +4713,19 @@
                 <a:cs typeface="Ubuntu"/>
                 <a:sym typeface="Ubuntu"/>
               </a:rPr>
-              <a:t>- Crie um layout</a:t>
+              <a:t>- Activities e Layouts (xml) são alicerces do desenvolvimento Android </a:t>
+            </a:r>
+            <a:r>
+              <a:rPr lang="en" sz="2000" b="0" dirty="0" smtClean="0">
+                <a:solidFill>
+                  <a:srgbClr val="B7B7B7"/>
+                </a:solidFill>
+                <a:latin typeface="Ubuntu"/>
+                <a:ea typeface="Ubuntu"/>
+                <a:cs typeface="Ubuntu"/>
+                <a:sym typeface="Ubuntu"/>
+              </a:rPr>
+              <a:t/>
             </a:r>
             <a:br>
               <a:rPr lang="en" sz="2000" b="0" dirty="0" smtClean="0">
@@ -4437,7 +4748,19 @@
                 <a:cs typeface="Ubuntu"/>
                 <a:sym typeface="Ubuntu"/>
               </a:rPr>
-              <a:t>- Crie uma classe que herda de Activity</a:t>
+              <a:t>- </a:t>
+            </a:r>
+            <a:r>
+              <a:rPr lang="en" sz="2000" b="0" dirty="0" smtClean="0">
+                <a:solidFill>
+                  <a:srgbClr val="B7B7B7"/>
+                </a:solidFill>
+                <a:latin typeface="Ubuntu"/>
+                <a:ea typeface="Ubuntu"/>
+                <a:cs typeface="Ubuntu"/>
+                <a:sym typeface="Ubuntu"/>
+              </a:rPr>
+              <a:t>Uma activity representa uma tela do código Java.</a:t>
             </a:r>
             <a:br>
               <a:rPr lang="en" sz="2000" b="0" dirty="0" smtClean="0">
@@ -4460,7 +4783,7 @@
                 <a:cs typeface="Ubuntu"/>
                 <a:sym typeface="Ubuntu"/>
               </a:rPr>
-              <a:t>- Implemente ao menos o metodo onCreate, e sempre chame o construtor pai.</a:t>
+              <a:t>- A programação em android é baseada em eventos.</a:t>
             </a:r>
             <a:br>
               <a:rPr lang="en" sz="2000" b="0" dirty="0" smtClean="0">
@@ -4474,6 +4797,18 @@
               </a:rPr>
             </a:br>
             <a:r>
+              <a:rPr lang="en" sz="2000" b="0" dirty="0">
+                <a:solidFill>
+                  <a:srgbClr val="B7B7B7"/>
+                </a:solidFill>
+                <a:latin typeface="Ubuntu"/>
+                <a:ea typeface="Ubuntu"/>
+                <a:cs typeface="Ubuntu"/>
+                <a:sym typeface="Ubuntu"/>
+              </a:rPr>
+              <a:t>	</a:t>
+            </a:r>
+            <a:r>
               <a:rPr lang="en" sz="2000" b="0" dirty="0" smtClean="0">
                 <a:solidFill>
                   <a:srgbClr val="B7B7B7"/>
@@ -4483,7 +4818,7 @@
                 <a:cs typeface="Ubuntu"/>
                 <a:sym typeface="Ubuntu"/>
               </a:rPr>
-              <a:t>- Use o setContentView(...) para dizer qual layout vai ser associado à Activity.</a:t>
+              <a:t>- Não existe o método “main”.</a:t>
             </a:r>
             <a:br>
               <a:rPr lang="en" sz="2000" b="0" dirty="0" smtClean="0">
@@ -4497,6 +4832,18 @@
               </a:rPr>
             </a:br>
             <a:r>
+              <a:rPr lang="en" sz="2000" b="0" dirty="0">
+                <a:solidFill>
+                  <a:srgbClr val="B7B7B7"/>
+                </a:solidFill>
+                <a:latin typeface="Ubuntu"/>
+                <a:ea typeface="Ubuntu"/>
+                <a:cs typeface="Ubuntu"/>
+                <a:sym typeface="Ubuntu"/>
+              </a:rPr>
+              <a:t>	</a:t>
+            </a:r>
+            <a:r>
               <a:rPr lang="en" sz="2000" b="0" dirty="0" smtClean="0">
                 <a:solidFill>
                   <a:srgbClr val="B7B7B7"/>
@@ -4506,7 +4853,42 @@
                 <a:cs typeface="Ubuntu"/>
                 <a:sym typeface="Ubuntu"/>
               </a:rPr>
-              <a:t>- Registre a activity no manifest </a:t>
+              <a:t>- Boa parte do código será escrita dentdo de métodos específicos que representam eventos: onCreate, onResume, onStart …</a:t>
+            </a:r>
+            <a:r>
+              <a:rPr lang="en" sz="2000" b="0" dirty="0" smtClean="0">
+                <a:solidFill>
+                  <a:srgbClr val="B7B7B7"/>
+                </a:solidFill>
+                <a:latin typeface="Ubuntu"/>
+                <a:ea typeface="Ubuntu"/>
+                <a:cs typeface="Ubuntu"/>
+                <a:sym typeface="Ubuntu"/>
+              </a:rPr>
+              <a:t/>
+            </a:r>
+            <a:br>
+              <a:rPr lang="en" sz="2000" b="0" dirty="0" smtClean="0">
+                <a:solidFill>
+                  <a:srgbClr val="B7B7B7"/>
+                </a:solidFill>
+                <a:latin typeface="Ubuntu"/>
+                <a:ea typeface="Ubuntu"/>
+                <a:cs typeface="Ubuntu"/>
+                <a:sym typeface="Ubuntu"/>
+              </a:rPr>
+            </a:br>
+            <a:r>
+              <a:rPr lang="en" sz="2000" b="0" dirty="0" smtClean="0">
+                <a:solidFill>
+                  <a:srgbClr val="B7B7B7"/>
+                </a:solidFill>
+                <a:latin typeface="Ubuntu"/>
+                <a:ea typeface="Ubuntu"/>
+                <a:cs typeface="Ubuntu"/>
+                <a:sym typeface="Ubuntu"/>
+              </a:rPr>
+              <a:t>- Cada activity é um processo separado o que torna complicado o envio de parâmetros entre telas.</a:t>
             </a:r>
             <a:endParaRPr lang="en" sz="2000" b="0" dirty="0">
               <a:solidFill>
@@ -4594,7 +4976,7 @@
                 <a:cs typeface="Ubuntu"/>
                 <a:sym typeface="Ubuntu"/>
               </a:rPr>
-              <a:t>Life Cycle</a:t>
+              <a:t>Criando uma nova Activity	</a:t>
             </a:r>
             <a:endParaRPr lang="en" sz="3000" b="0" dirty="0">
               <a:solidFill>
@@ -4673,34 +5055,160 @@
           </a:p>
         </p:txBody>
       </p:sp>
-      <p:pic>
-        <p:nvPicPr>
-          <p:cNvPr id="2" name="Imagem 1"/>
-          <p:cNvPicPr>
-            <a:picLocks noChangeAspect="1"/>
-          </p:cNvPicPr>
-          <p:nvPr/>
-        </p:nvPicPr>
-        <p:blipFill>
-          <a:blip r:embed="rId4"/>
-          <a:stretch>
-            <a:fillRect/>
-          </a:stretch>
-        </p:blipFill>
-        <p:spPr>
-          <a:xfrm>
-            <a:off x="2075381" y="611937"/>
-            <a:ext cx="4438436" cy="4379158"/>
+      <p:sp>
+        <p:nvSpPr>
+          <p:cNvPr id="56" name="Shape 56"/>
+          <p:cNvSpPr txBox="1">
+            <a:spLocks noGrp="1"/>
+          </p:cNvSpPr>
+          <p:nvPr>
+            <p:ph type="title"/>
+          </p:nvPr>
+        </p:nvSpPr>
+        <p:spPr>
+          <a:xfrm>
+            <a:off x="882750" y="1072750"/>
+            <a:ext cx="7378500" cy="3461700"/>
           </a:xfrm>
           <a:prstGeom prst="rect">
             <a:avLst/>
           </a:prstGeom>
         </p:spPr>
-      </p:pic>
+        <p:txBody>
+          <a:bodyPr lIns="91425" tIns="91425" rIns="91425" bIns="91425" anchor="t" anchorCtr="0">
+            <a:noAutofit/>
+          </a:bodyPr>
+          <a:lstStyle/>
+          <a:p>
+            <a:pPr lvl="0" rtl="0">
+              <a:lnSpc>
+                <a:spcPct val="100000"/>
+              </a:lnSpc>
+              <a:spcBef>
+                <a:spcPts val="0"/>
+              </a:spcBef>
+              <a:buNone/>
+            </a:pPr>
+            <a:r>
+              <a:rPr lang="en" sz="2000" b="0" dirty="0" smtClean="0">
+                <a:solidFill>
+                  <a:srgbClr val="B7B7B7"/>
+                </a:solidFill>
+                <a:latin typeface="Ubuntu"/>
+                <a:ea typeface="Ubuntu"/>
+                <a:cs typeface="Ubuntu"/>
+                <a:sym typeface="Ubuntu"/>
+              </a:rPr>
+              <a:t>- Crie um layout</a:t>
+            </a:r>
+            <a:br>
+              <a:rPr lang="en" sz="2000" b="0" dirty="0" smtClean="0">
+                <a:solidFill>
+                  <a:srgbClr val="B7B7B7"/>
+                </a:solidFill>
+                <a:latin typeface="Ubuntu"/>
+                <a:ea typeface="Ubuntu"/>
+                <a:cs typeface="Ubuntu"/>
+                <a:sym typeface="Ubuntu"/>
+              </a:rPr>
+            </a:br>
+            <a:r>
+              <a:rPr lang="en" sz="2000" b="0" dirty="0" smtClean="0">
+                <a:solidFill>
+                  <a:srgbClr val="B7B7B7"/>
+                </a:solidFill>
+                <a:latin typeface="Ubuntu"/>
+                <a:ea typeface="Ubuntu"/>
+                <a:cs typeface="Ubuntu"/>
+                <a:sym typeface="Ubuntu"/>
+              </a:rPr>
+              <a:t>- Crie uma classe que herda de Activity</a:t>
+            </a:r>
+            <a:br>
+              <a:rPr lang="en" sz="2000" b="0" dirty="0" smtClean="0">
+                <a:solidFill>
+                  <a:srgbClr val="B7B7B7"/>
+                </a:solidFill>
+                <a:latin typeface="Ubuntu"/>
+                <a:ea typeface="Ubuntu"/>
+                <a:cs typeface="Ubuntu"/>
+                <a:sym typeface="Ubuntu"/>
+              </a:rPr>
+            </a:br>
+            <a:r>
+              <a:rPr lang="en" sz="2000" b="0" dirty="0" smtClean="0">
+                <a:solidFill>
+                  <a:srgbClr val="B7B7B7"/>
+                </a:solidFill>
+                <a:latin typeface="Ubuntu"/>
+                <a:ea typeface="Ubuntu"/>
+                <a:cs typeface="Ubuntu"/>
+                <a:sym typeface="Ubuntu"/>
+              </a:rPr>
+              <a:t>- Implemente ao menos o metodo onCreate, e sempre chame o construtor pai.</a:t>
+            </a:r>
+            <a:br>
+              <a:rPr lang="en" sz="2000" b="0" dirty="0" smtClean="0">
+                <a:solidFill>
+                  <a:srgbClr val="B7B7B7"/>
+                </a:solidFill>
+                <a:latin typeface="Ubuntu"/>
+                <a:ea typeface="Ubuntu"/>
+                <a:cs typeface="Ubuntu"/>
+                <a:sym typeface="Ubuntu"/>
+              </a:rPr>
+            </a:br>
+            <a:r>
+              <a:rPr lang="en" sz="2000" b="0" dirty="0" smtClean="0">
+                <a:solidFill>
+                  <a:srgbClr val="B7B7B7"/>
+                </a:solidFill>
+                <a:latin typeface="Ubuntu"/>
+                <a:ea typeface="Ubuntu"/>
+                <a:cs typeface="Ubuntu"/>
+                <a:sym typeface="Ubuntu"/>
+              </a:rPr>
+              <a:t>- Use o setContentView(...) para dizer qual layout vai ser associado à Activity.</a:t>
+            </a:r>
+            <a:br>
+              <a:rPr lang="en" sz="2000" b="0" dirty="0" smtClean="0">
+                <a:solidFill>
+                  <a:srgbClr val="B7B7B7"/>
+                </a:solidFill>
+                <a:latin typeface="Ubuntu"/>
+                <a:ea typeface="Ubuntu"/>
+                <a:cs typeface="Ubuntu"/>
+                <a:sym typeface="Ubuntu"/>
+              </a:rPr>
+            </a:br>
+            <a:r>
+              <a:rPr lang="en" sz="2000" b="0" dirty="0" smtClean="0">
+                <a:solidFill>
+                  <a:srgbClr val="B7B7B7"/>
+                </a:solidFill>
+                <a:latin typeface="Ubuntu"/>
+                <a:ea typeface="Ubuntu"/>
+                <a:cs typeface="Ubuntu"/>
+                <a:sym typeface="Ubuntu"/>
+              </a:rPr>
+              <a:t>- Registre a activity no manifest </a:t>
+            </a:r>
+            <a:endParaRPr lang="en" sz="2000" b="0" dirty="0">
+              <a:solidFill>
+                <a:srgbClr val="B7B7B7"/>
+              </a:solidFill>
+              <a:latin typeface="Ubuntu"/>
+              <a:ea typeface="Ubuntu"/>
+              <a:cs typeface="Ubuntu"/>
+              <a:sym typeface="Ubuntu"/>
+            </a:endParaRPr>
+          </a:p>
+        </p:txBody>
+      </p:sp>
     </p:spTree>
     <p:extLst>
       <p:ext uri="{BB962C8B-B14F-4D97-AF65-F5344CB8AC3E}">
-        <p14:creationId xmlns:p14="http://schemas.microsoft.com/office/powerpoint/2010/main" val="1398493653"/>
+        <p14:creationId xmlns:p14="http://schemas.microsoft.com/office/powerpoint/2010/main" val="3770390937"/>
       </p:ext>
     </p:extLst>
   </p:cSld>
@@ -4771,7 +5279,7 @@
                 <a:cs typeface="Ubuntu"/>
                 <a:sym typeface="Ubuntu"/>
               </a:rPr>
-              <a:t>Eventos do life cycle</a:t>
+              <a:t>Life Cycle</a:t>
             </a:r>
             <a:endParaRPr lang="en" sz="3000" b="0" dirty="0">
               <a:solidFill>
@@ -4850,160 +5358,34 @@
           </a:p>
         </p:txBody>
       </p:sp>
-      <p:sp>
-        <p:nvSpPr>
-          <p:cNvPr id="56" name="Shape 56"/>
-          <p:cNvSpPr txBox="1">
-            <a:spLocks noGrp="1"/>
-          </p:cNvSpPr>
-          <p:nvPr>
-            <p:ph type="title"/>
-          </p:nvPr>
-        </p:nvSpPr>
-        <p:spPr>
-          <a:xfrm>
-            <a:off x="882750" y="1072750"/>
-            <a:ext cx="7378500" cy="3461700"/>
+      <p:pic>
+        <p:nvPicPr>
+          <p:cNvPr id="2" name="Imagem 1"/>
+          <p:cNvPicPr>
+            <a:picLocks noChangeAspect="1"/>
+          </p:cNvPicPr>
+          <p:nvPr/>
+        </p:nvPicPr>
+        <p:blipFill>
+          <a:blip r:embed="rId4"/>
+          <a:stretch>
+            <a:fillRect/>
+          </a:stretch>
+        </p:blipFill>
+        <p:spPr>
+          <a:xfrm>
+            <a:off x="2075381" y="611937"/>
+            <a:ext cx="4438436" cy="4379158"/>
           </a:xfrm>
           <a:prstGeom prst="rect">
             <a:avLst/>
           </a:prstGeom>
         </p:spPr>
-        <p:txBody>
-          <a:bodyPr lIns="91425" tIns="91425" rIns="91425" bIns="91425" anchor="t" anchorCtr="0">
-            <a:noAutofit/>
-          </a:bodyPr>
-          <a:lstStyle/>
-          <a:p>
-            <a:pPr lvl="0" rtl="0">
-              <a:lnSpc>
-                <a:spcPct val="100000"/>
-              </a:lnSpc>
-              <a:spcBef>
-                <a:spcPts val="0"/>
-              </a:spcBef>
-              <a:buNone/>
-            </a:pPr>
-            <a:r>
-              <a:rPr lang="en" sz="2000" b="0" dirty="0" smtClean="0">
-                <a:solidFill>
-                  <a:srgbClr val="B7B7B7"/>
-                </a:solidFill>
-                <a:latin typeface="Ubuntu"/>
-                <a:ea typeface="Ubuntu"/>
-                <a:cs typeface="Ubuntu"/>
-                <a:sym typeface="Ubuntu"/>
-              </a:rPr>
-              <a:t>onCreate : chamado para criar a tela, usar aqui a inicialização do layout, chamar os elementos do layout nesse evento, chamar aqui tudo aquilo que sera destruido pelo SO.</a:t>
-            </a:r>
-            <a:br>
-              <a:rPr lang="en" sz="2000" b="0" dirty="0" smtClean="0">
-                <a:solidFill>
-                  <a:srgbClr val="B7B7B7"/>
-                </a:solidFill>
-                <a:latin typeface="Ubuntu"/>
-                <a:ea typeface="Ubuntu"/>
-                <a:cs typeface="Ubuntu"/>
-                <a:sym typeface="Ubuntu"/>
-              </a:rPr>
-            </a:br>
-            <a:r>
-              <a:rPr lang="en" sz="2000" b="0" dirty="0">
-                <a:solidFill>
-                  <a:srgbClr val="B7B7B7"/>
-                </a:solidFill>
-                <a:latin typeface="Ubuntu"/>
-                <a:ea typeface="Ubuntu"/>
-                <a:cs typeface="Ubuntu"/>
-                <a:sym typeface="Ubuntu"/>
-              </a:rPr>
-              <a:t/>
-            </a:r>
-            <a:br>
-              <a:rPr lang="en" sz="2000" b="0" dirty="0">
-                <a:solidFill>
-                  <a:srgbClr val="B7B7B7"/>
-                </a:solidFill>
-                <a:latin typeface="Ubuntu"/>
-                <a:ea typeface="Ubuntu"/>
-                <a:cs typeface="Ubuntu"/>
-                <a:sym typeface="Ubuntu"/>
-              </a:rPr>
-            </a:br>
-            <a:r>
-              <a:rPr lang="en" sz="2000" b="0" dirty="0" smtClean="0">
-                <a:solidFill>
-                  <a:srgbClr val="B7B7B7"/>
-                </a:solidFill>
-                <a:latin typeface="Ubuntu"/>
-                <a:ea typeface="Ubuntu"/>
-                <a:cs typeface="Ubuntu"/>
-                <a:sym typeface="Ubuntu"/>
-              </a:rPr>
-              <a:t>onResume: aqui é quando a tela ja é mostrada para o usuario, a partir daqui que é para colocar as chamadas de conexões, uso de camera, GPS…</a:t>
-            </a:r>
-            <a:br>
-              <a:rPr lang="en" sz="2000" b="0" dirty="0" smtClean="0">
-                <a:solidFill>
-                  <a:srgbClr val="B7B7B7"/>
-                </a:solidFill>
-                <a:latin typeface="Ubuntu"/>
-                <a:ea typeface="Ubuntu"/>
-                <a:cs typeface="Ubuntu"/>
-                <a:sym typeface="Ubuntu"/>
-              </a:rPr>
-            </a:br>
-            <a:r>
-              <a:rPr lang="en" sz="2000" b="0" dirty="0">
-                <a:solidFill>
-                  <a:srgbClr val="B7B7B7"/>
-                </a:solidFill>
-                <a:latin typeface="Ubuntu"/>
-                <a:ea typeface="Ubuntu"/>
-                <a:cs typeface="Ubuntu"/>
-                <a:sym typeface="Ubuntu"/>
-              </a:rPr>
-              <a:t/>
-            </a:r>
-            <a:br>
-              <a:rPr lang="en" sz="2000" b="0" dirty="0">
-                <a:solidFill>
-                  <a:srgbClr val="B7B7B7"/>
-                </a:solidFill>
-                <a:latin typeface="Ubuntu"/>
-                <a:ea typeface="Ubuntu"/>
-                <a:cs typeface="Ubuntu"/>
-                <a:sym typeface="Ubuntu"/>
-              </a:rPr>
-            </a:br>
-            <a:r>
-              <a:rPr lang="en" sz="2000" b="0" dirty="0" smtClean="0">
-                <a:solidFill>
-                  <a:srgbClr val="B7B7B7"/>
-                </a:solidFill>
-                <a:latin typeface="Ubuntu"/>
-                <a:ea typeface="Ubuntu"/>
-                <a:cs typeface="Ubuntu"/>
-                <a:sym typeface="Ubuntu"/>
-              </a:rPr>
-              <a:t>onPause: persistir dados ainda não persistidos aqui,  liberar recursos relacionado à serviços externo… onPause dezfaz e o onResume refaz.</a:t>
-            </a:r>
-            <a:endParaRPr lang="en" sz="2000" b="0" dirty="0">
-              <a:solidFill>
-                <a:srgbClr val="B7B7B7"/>
-              </a:solidFill>
-              <a:latin typeface="Ubuntu"/>
-              <a:ea typeface="Ubuntu"/>
-              <a:cs typeface="Ubuntu"/>
-              <a:sym typeface="Ubuntu"/>
-            </a:endParaRPr>
-          </a:p>
-        </p:txBody>
-      </p:sp>
+      </p:pic>
     </p:spTree>
     <p:extLst>
       <p:ext uri="{BB962C8B-B14F-4D97-AF65-F5344CB8AC3E}">
-        <p14:creationId xmlns:p14="http://schemas.microsoft.com/office/powerpoint/2010/main" val="1105644860"/>
+        <p14:creationId xmlns:p14="http://schemas.microsoft.com/office/powerpoint/2010/main" val="1398493653"/>
       </p:ext>
     </p:extLst>
   </p:cSld>
@@ -5074,7 +5456,7 @@
                 <a:cs typeface="Ubuntu"/>
                 <a:sym typeface="Ubuntu"/>
               </a:rPr>
-              <a:t>Comunicação com o layout</a:t>
+              <a:t>Eventos do life cycle</a:t>
             </a:r>
             <a:endParaRPr lang="en" sz="3000" b="0" dirty="0">
               <a:solidFill>
@@ -5197,7 +5579,7 @@
                 <a:cs typeface="Ubuntu"/>
                 <a:sym typeface="Ubuntu"/>
               </a:rPr>
-              <a:t>Existem metodos para ser usado com os elementos do layout, como por exemplo:</a:t>
+              <a:t>onCreate : chamado para criar a tela, usar aqui a inicialização do layout, chamar os elementos do layout nesse evento, chamar aqui tudo aquilo que sera destruido pelo SO.</a:t>
             </a:r>
             <a:br>
               <a:rPr lang="en" sz="2000" b="0" dirty="0" smtClean="0">
@@ -5243,54 +5625,7 @@
                 <a:cs typeface="Ubuntu"/>
                 <a:sym typeface="Ubuntu"/>
               </a:rPr>
-              <a:t>- findViewById(…)</a:t>
-            </a:r>
-            <a:br>
-              <a:rPr lang="en" sz="2000" b="0" dirty="0" smtClean="0">
-                <a:solidFill>
-                  <a:srgbClr val="B7B7B7"/>
-                </a:solidFill>
-                <a:latin typeface="Ubuntu"/>
-                <a:ea typeface="Ubuntu"/>
-                <a:cs typeface="Ubuntu"/>
-                <a:sym typeface="Ubuntu"/>
-              </a:rPr>
-            </a:br>
-            <a:r>
-              <a:rPr lang="en" sz="2000" b="0" dirty="0">
-                <a:solidFill>
-                  <a:srgbClr val="B7B7B7"/>
-                </a:solidFill>
-                <a:latin typeface="Ubuntu"/>
-                <a:ea typeface="Ubuntu"/>
-                <a:cs typeface="Ubuntu"/>
-                <a:sym typeface="Ubuntu"/>
-              </a:rPr>
-              <a:t>	</a:t>
-            </a:r>
-            <a:r>
-              <a:rPr lang="pt-BR" sz="2000" b="0" dirty="0" smtClean="0">
-                <a:solidFill>
-                  <a:srgbClr val="B7B7B7"/>
-                </a:solidFill>
-                <a:latin typeface="Ubuntu"/>
-                <a:ea typeface="Ubuntu"/>
-                <a:cs typeface="Ubuntu"/>
-                <a:sym typeface="Ubuntu"/>
-              </a:rPr>
-              <a:t>U</a:t>
-            </a:r>
-            <a:r>
-              <a:rPr lang="en" sz="2000" b="0" dirty="0" smtClean="0">
-                <a:solidFill>
-                  <a:srgbClr val="B7B7B7"/>
-                </a:solidFill>
-                <a:latin typeface="Ubuntu"/>
-                <a:ea typeface="Ubuntu"/>
-                <a:cs typeface="Ubuntu"/>
-                <a:sym typeface="Ubuntu"/>
-              </a:rPr>
-              <a:t>sado para recuperar uma widget do layout.</a:t>
+              <a:t>onResume: aqui é quando a tela ja é mostrada para o usuario, a partir daqui que é para colocar as chamadas de conexões, uso de camera, GPS…</a:t>
             </a:r>
             <a:br>
               <a:rPr lang="en" sz="2000" b="0" dirty="0" smtClean="0">
@@ -5336,42 +5671,7 @@
                 <a:cs typeface="Ubuntu"/>
                 <a:sym typeface="Ubuntu"/>
               </a:rPr>
-              <a:t>- setOnClickListener(…)</a:t>
-            </a:r>
-            <a:br>
-              <a:rPr lang="en" sz="2000" b="0" dirty="0" smtClean="0">
-                <a:solidFill>
-                  <a:srgbClr val="B7B7B7"/>
-                </a:solidFill>
-                <a:latin typeface="Ubuntu"/>
-                <a:ea typeface="Ubuntu"/>
-                <a:cs typeface="Ubuntu"/>
-                <a:sym typeface="Ubuntu"/>
-              </a:rPr>
-            </a:br>
-            <a:r>
-              <a:rPr lang="en" sz="2000" b="0" dirty="0">
-                <a:solidFill>
-                  <a:srgbClr val="B7B7B7"/>
-                </a:solidFill>
-                <a:latin typeface="Ubuntu"/>
-                <a:ea typeface="Ubuntu"/>
-                <a:cs typeface="Ubuntu"/>
-                <a:sym typeface="Ubuntu"/>
-              </a:rPr>
-              <a:t>	</a:t>
-            </a:r>
-            <a:r>
-              <a:rPr lang="en" sz="2000" b="0" dirty="0" smtClean="0">
-                <a:solidFill>
-                  <a:srgbClr val="B7B7B7"/>
-                </a:solidFill>
-                <a:latin typeface="Ubuntu"/>
-                <a:ea typeface="Ubuntu"/>
-                <a:cs typeface="Ubuntu"/>
-                <a:sym typeface="Ubuntu"/>
-              </a:rPr>
-              <a:t>Usado para definir quem vai ouvir o evendo de click no botão </a:t>
+              <a:t>onPause: persistir dados ainda não persistidos aqui,  liberar recursos relacionado à serviços externo… onPause dezfaz e o onResume refaz.</a:t>
             </a:r>
             <a:endParaRPr lang="en" sz="2000" b="0" dirty="0">
               <a:solidFill>
@@ -5388,7 +5688,7 @@
     </p:spTree>
     <p:extLst>
       <p:ext uri="{BB962C8B-B14F-4D97-AF65-F5344CB8AC3E}">
-        <p14:creationId xmlns:p14="http://schemas.microsoft.com/office/powerpoint/2010/main" val="1454277224"/>
+        <p14:creationId xmlns:p14="http://schemas.microsoft.com/office/powerpoint/2010/main" val="1105644860"/>
       </p:ext>
     </p:extLst>
   </p:cSld>
@@ -5459,6 +5759,391 @@
                 <a:cs typeface="Ubuntu"/>
                 <a:sym typeface="Ubuntu"/>
               </a:rPr>
+              <a:t>Comunicação com o layout</a:t>
+            </a:r>
+            <a:endParaRPr lang="en" sz="3000" b="0" dirty="0">
+              <a:solidFill>
+                <a:srgbClr val="8C8C8C"/>
+              </a:solidFill>
+              <a:latin typeface="Ubuntu"/>
+              <a:ea typeface="Ubuntu"/>
+              <a:cs typeface="Ubuntu"/>
+              <a:sym typeface="Ubuntu"/>
+            </a:endParaRPr>
+          </a:p>
+        </p:txBody>
+      </p:sp>
+      <p:pic>
+        <p:nvPicPr>
+          <p:cNvPr id="54" name="Shape 54"/>
+          <p:cNvPicPr preferRelativeResize="0"/>
+          <p:nvPr/>
+        </p:nvPicPr>
+        <p:blipFill>
+          <a:blip r:embed="rId3">
+            <a:alphaModFix/>
+          </a:blip>
+          <a:stretch>
+            <a:fillRect/>
+          </a:stretch>
+        </p:blipFill>
+        <p:spPr>
+          <a:xfrm>
+            <a:off x="7695475" y="4659770"/>
+            <a:ext cx="1296121" cy="331325"/>
+          </a:xfrm>
+          <a:prstGeom prst="rect">
+            <a:avLst/>
+          </a:prstGeom>
+          <a:noFill/>
+          <a:ln>
+            <a:noFill/>
+          </a:ln>
+        </p:spPr>
+      </p:pic>
+      <p:sp>
+        <p:nvSpPr>
+          <p:cNvPr id="55" name="Shape 55"/>
+          <p:cNvSpPr/>
+          <p:nvPr/>
+        </p:nvSpPr>
+        <p:spPr>
+          <a:xfrm>
+            <a:off x="0" y="445750"/>
+            <a:ext cx="440000" cy="331325"/>
+          </a:xfrm>
+          <a:prstGeom prst="flowChartProcess">
+            <a:avLst/>
+          </a:prstGeom>
+          <a:solidFill>
+            <a:srgbClr val="2259AA"/>
+          </a:solidFill>
+          <a:ln>
+            <a:noFill/>
+          </a:ln>
+        </p:spPr>
+        <p:txBody>
+          <a:bodyPr lIns="91425" tIns="91425" rIns="91425" bIns="91425" anchor="ctr" anchorCtr="0">
+            <a:noAutofit/>
+          </a:bodyPr>
+          <a:lstStyle/>
+          <a:p>
+            <a:pPr lvl="0">
+              <a:spcBef>
+                <a:spcPts val="0"/>
+              </a:spcBef>
+              <a:buNone/>
+            </a:pPr>
+            <a:endParaRPr/>
+          </a:p>
+        </p:txBody>
+      </p:sp>
+      <p:sp>
+        <p:nvSpPr>
+          <p:cNvPr id="56" name="Shape 56"/>
+          <p:cNvSpPr txBox="1">
+            <a:spLocks noGrp="1"/>
+          </p:cNvSpPr>
+          <p:nvPr>
+            <p:ph type="title"/>
+          </p:nvPr>
+        </p:nvSpPr>
+        <p:spPr>
+          <a:xfrm>
+            <a:off x="882750" y="1072750"/>
+            <a:ext cx="7378500" cy="3461700"/>
+          </a:xfrm>
+          <a:prstGeom prst="rect">
+            <a:avLst/>
+          </a:prstGeom>
+        </p:spPr>
+        <p:txBody>
+          <a:bodyPr lIns="91425" tIns="91425" rIns="91425" bIns="91425" anchor="t" anchorCtr="0">
+            <a:noAutofit/>
+          </a:bodyPr>
+          <a:lstStyle/>
+          <a:p>
+            <a:pPr lvl="0" rtl="0">
+              <a:lnSpc>
+                <a:spcPct val="100000"/>
+              </a:lnSpc>
+              <a:spcBef>
+                <a:spcPts val="0"/>
+              </a:spcBef>
+              <a:buNone/>
+            </a:pPr>
+            <a:r>
+              <a:rPr lang="en" sz="2000" b="0" dirty="0" smtClean="0">
+                <a:solidFill>
+                  <a:srgbClr val="B7B7B7"/>
+                </a:solidFill>
+                <a:latin typeface="Ubuntu"/>
+                <a:ea typeface="Ubuntu"/>
+                <a:cs typeface="Ubuntu"/>
+                <a:sym typeface="Ubuntu"/>
+              </a:rPr>
+              <a:t>Existem metodos para ser usado com os elementos do layout, como por exemplo:</a:t>
+            </a:r>
+            <a:br>
+              <a:rPr lang="en" sz="2000" b="0" dirty="0" smtClean="0">
+                <a:solidFill>
+                  <a:srgbClr val="B7B7B7"/>
+                </a:solidFill>
+                <a:latin typeface="Ubuntu"/>
+                <a:ea typeface="Ubuntu"/>
+                <a:cs typeface="Ubuntu"/>
+                <a:sym typeface="Ubuntu"/>
+              </a:rPr>
+            </a:br>
+            <a:r>
+              <a:rPr lang="en" sz="2000" b="0" dirty="0">
+                <a:solidFill>
+                  <a:srgbClr val="B7B7B7"/>
+                </a:solidFill>
+                <a:latin typeface="Ubuntu"/>
+                <a:ea typeface="Ubuntu"/>
+                <a:cs typeface="Ubuntu"/>
+                <a:sym typeface="Ubuntu"/>
+              </a:rPr>
+              <a:t/>
+            </a:r>
+            <a:br>
+              <a:rPr lang="en" sz="2000" b="0" dirty="0">
+                <a:solidFill>
+                  <a:srgbClr val="B7B7B7"/>
+                </a:solidFill>
+                <a:latin typeface="Ubuntu"/>
+                <a:ea typeface="Ubuntu"/>
+                <a:cs typeface="Ubuntu"/>
+                <a:sym typeface="Ubuntu"/>
+              </a:rPr>
+            </a:br>
+            <a:r>
+              <a:rPr lang="en" sz="2000" b="0" dirty="0" smtClean="0">
+                <a:solidFill>
+                  <a:srgbClr val="B7B7B7"/>
+                </a:solidFill>
+                <a:latin typeface="Ubuntu"/>
+                <a:ea typeface="Ubuntu"/>
+                <a:cs typeface="Ubuntu"/>
+                <a:sym typeface="Ubuntu"/>
+              </a:rPr>
+              <a:t>- findViewById(…)</a:t>
+            </a:r>
+            <a:br>
+              <a:rPr lang="en" sz="2000" b="0" dirty="0" smtClean="0">
+                <a:solidFill>
+                  <a:srgbClr val="B7B7B7"/>
+                </a:solidFill>
+                <a:latin typeface="Ubuntu"/>
+                <a:ea typeface="Ubuntu"/>
+                <a:cs typeface="Ubuntu"/>
+                <a:sym typeface="Ubuntu"/>
+              </a:rPr>
+            </a:br>
+            <a:r>
+              <a:rPr lang="en" sz="2000" b="0" dirty="0">
+                <a:solidFill>
+                  <a:srgbClr val="B7B7B7"/>
+                </a:solidFill>
+                <a:latin typeface="Ubuntu"/>
+                <a:ea typeface="Ubuntu"/>
+                <a:cs typeface="Ubuntu"/>
+                <a:sym typeface="Ubuntu"/>
+              </a:rPr>
+              <a:t>	</a:t>
+            </a:r>
+            <a:r>
+              <a:rPr lang="pt-BR" sz="2000" b="0" dirty="0" smtClean="0">
+                <a:solidFill>
+                  <a:srgbClr val="B7B7B7"/>
+                </a:solidFill>
+                <a:latin typeface="Ubuntu"/>
+                <a:ea typeface="Ubuntu"/>
+                <a:cs typeface="Ubuntu"/>
+                <a:sym typeface="Ubuntu"/>
+              </a:rPr>
+              <a:t>U</a:t>
+            </a:r>
+            <a:r>
+              <a:rPr lang="en" sz="2000" b="0" dirty="0" smtClean="0">
+                <a:solidFill>
+                  <a:srgbClr val="B7B7B7"/>
+                </a:solidFill>
+                <a:latin typeface="Ubuntu"/>
+                <a:ea typeface="Ubuntu"/>
+                <a:cs typeface="Ubuntu"/>
+                <a:sym typeface="Ubuntu"/>
+              </a:rPr>
+              <a:t>sado para recuperar uma widget do layout.</a:t>
+            </a:r>
+            <a:br>
+              <a:rPr lang="en" sz="2000" b="0" dirty="0" smtClean="0">
+                <a:solidFill>
+                  <a:srgbClr val="B7B7B7"/>
+                </a:solidFill>
+                <a:latin typeface="Ubuntu"/>
+                <a:ea typeface="Ubuntu"/>
+                <a:cs typeface="Ubuntu"/>
+                <a:sym typeface="Ubuntu"/>
+              </a:rPr>
+            </a:br>
+            <a:r>
+              <a:rPr lang="en" sz="2000" b="0" dirty="0">
+                <a:solidFill>
+                  <a:srgbClr val="B7B7B7"/>
+                </a:solidFill>
+                <a:latin typeface="Ubuntu"/>
+                <a:ea typeface="Ubuntu"/>
+                <a:cs typeface="Ubuntu"/>
+                <a:sym typeface="Ubuntu"/>
+              </a:rPr>
+              <a:t/>
+            </a:r>
+            <a:br>
+              <a:rPr lang="en" sz="2000" b="0" dirty="0">
+                <a:solidFill>
+                  <a:srgbClr val="B7B7B7"/>
+                </a:solidFill>
+                <a:latin typeface="Ubuntu"/>
+                <a:ea typeface="Ubuntu"/>
+                <a:cs typeface="Ubuntu"/>
+                <a:sym typeface="Ubuntu"/>
+              </a:rPr>
+            </a:br>
+            <a:r>
+              <a:rPr lang="en" sz="2000" b="0" dirty="0" smtClean="0">
+                <a:solidFill>
+                  <a:srgbClr val="B7B7B7"/>
+                </a:solidFill>
+                <a:latin typeface="Ubuntu"/>
+                <a:ea typeface="Ubuntu"/>
+                <a:cs typeface="Ubuntu"/>
+                <a:sym typeface="Ubuntu"/>
+              </a:rPr>
+              <a:t>- setOnClickListener(…)</a:t>
+            </a:r>
+            <a:br>
+              <a:rPr lang="en" sz="2000" b="0" dirty="0" smtClean="0">
+                <a:solidFill>
+                  <a:srgbClr val="B7B7B7"/>
+                </a:solidFill>
+                <a:latin typeface="Ubuntu"/>
+                <a:ea typeface="Ubuntu"/>
+                <a:cs typeface="Ubuntu"/>
+                <a:sym typeface="Ubuntu"/>
+              </a:rPr>
+            </a:br>
+            <a:r>
+              <a:rPr lang="en" sz="2000" b="0" dirty="0">
+                <a:solidFill>
+                  <a:srgbClr val="B7B7B7"/>
+                </a:solidFill>
+                <a:latin typeface="Ubuntu"/>
+                <a:ea typeface="Ubuntu"/>
+                <a:cs typeface="Ubuntu"/>
+                <a:sym typeface="Ubuntu"/>
+              </a:rPr>
+              <a:t>	</a:t>
+            </a:r>
+            <a:r>
+              <a:rPr lang="en" sz="2000" b="0" dirty="0" smtClean="0">
+                <a:solidFill>
+                  <a:srgbClr val="B7B7B7"/>
+                </a:solidFill>
+                <a:latin typeface="Ubuntu"/>
+                <a:ea typeface="Ubuntu"/>
+                <a:cs typeface="Ubuntu"/>
+                <a:sym typeface="Ubuntu"/>
+              </a:rPr>
+              <a:t>Usado para definir quem vai ouvir o evendo de click no botão </a:t>
+            </a:r>
+            <a:endParaRPr lang="en" sz="2000" b="0" dirty="0">
+              <a:solidFill>
+                <a:srgbClr val="B7B7B7"/>
+              </a:solidFill>
+              <a:latin typeface="Ubuntu"/>
+              <a:ea typeface="Ubuntu"/>
+              <a:cs typeface="Ubuntu"/>
+              <a:sym typeface="Ubuntu"/>
+            </a:endParaRPr>
+          </a:p>
+        </p:txBody>
+      </p:sp>
+    </p:spTree>
+    <p:extLst>
+      <p:ext uri="{BB962C8B-B14F-4D97-AF65-F5344CB8AC3E}">
+        <p14:creationId xmlns:p14="http://schemas.microsoft.com/office/powerpoint/2010/main" val="1454277224"/>
+      </p:ext>
+    </p:extLst>
+  </p:cSld>
+  <p:clrMapOvr>
+    <a:masterClrMapping/>
+  </p:clrMapOvr>
+  <p:transition spd="slow">
+    <p:cut/>
+  </p:transition>
+</p:sld>
+</file>
+
+<file path=ppt/slides/slide9.xml><?xml version="1.0" encoding="utf-8"?>
+<p:sld xmlns:a="http://schemas.openxmlformats.org/drawingml/2006/main" xmlns:r="http://schemas.openxmlformats.org/officeDocument/2006/relationships" xmlns:p="http://schemas.openxmlformats.org/presentationml/2006/main">
+  <p:cSld>
+    <p:spTree>
+      <p:nvGrpSpPr>
+        <p:cNvPr id="1" name="Shape 52"/>
+        <p:cNvGrpSpPr/>
+        <p:nvPr/>
+      </p:nvGrpSpPr>
+      <p:grpSpPr>
+        <a:xfrm>
+          <a:off x="0" y="0"/>
+          <a:ext cx="0" cy="0"/>
+          <a:chOff x="0" y="0"/>
+          <a:chExt cx="0" cy="0"/>
+        </a:xfrm>
+      </p:grpSpPr>
+      <p:sp>
+        <p:nvSpPr>
+          <p:cNvPr id="53" name="Shape 53"/>
+          <p:cNvSpPr txBox="1">
+            <a:spLocks noGrp="1"/>
+          </p:cNvSpPr>
+          <p:nvPr>
+            <p:ph type="title"/>
+          </p:nvPr>
+        </p:nvSpPr>
+        <p:spPr>
+          <a:xfrm>
+            <a:off x="440004" y="250350"/>
+            <a:ext cx="7000200" cy="722100"/>
+          </a:xfrm>
+          <a:prstGeom prst="rect">
+            <a:avLst/>
+          </a:prstGeom>
+        </p:spPr>
+        <p:txBody>
+          <a:bodyPr lIns="91425" tIns="91425" rIns="91425" bIns="91425" anchor="ctr" anchorCtr="0">
+            <a:noAutofit/>
+          </a:bodyPr>
+          <a:lstStyle/>
+          <a:p>
+            <a:pPr lvl="0" rtl="0">
+              <a:spcBef>
+                <a:spcPts val="0"/>
+              </a:spcBef>
+              <a:buNone/>
+            </a:pPr>
+            <a:r>
+              <a:rPr lang="en" sz="3000" b="0" dirty="0" smtClean="0">
+                <a:solidFill>
+                  <a:srgbClr val="8C8C8C"/>
+                </a:solidFill>
+                <a:latin typeface="Ubuntu"/>
+                <a:ea typeface="Ubuntu"/>
+                <a:cs typeface="Ubuntu"/>
+                <a:sym typeface="Ubuntu"/>
+              </a:rPr>
               <a:t>Intents</a:t>
             </a:r>
             <a:endParaRPr lang="en" sz="3000" b="0" dirty="0">
@@ -5740,198 +6425,6 @@
         <p14:creationId xmlns:p14="http://schemas.microsoft.com/office/powerpoint/2010/main" val="3729647685"/>
       </p:ext>
     </p:extLst>
-  </p:cSld>
-  <p:clrMapOvr>
-    <a:masterClrMapping/>
-  </p:clrMapOvr>
-  <p:transition spd="slow">
-    <p:cut/>
-  </p:transition>
-</p:sld>
-</file>
-
-<file path=ppt/slides/slide9.xml><?xml version="1.0" encoding="utf-8"?>
-<p:sld xmlns:a="http://schemas.openxmlformats.org/drawingml/2006/main" xmlns:r="http://schemas.openxmlformats.org/officeDocument/2006/relationships" xmlns:p="http://schemas.openxmlformats.org/presentationml/2006/main">
-  <p:cSld>
-    <p:spTree>
-      <p:nvGrpSpPr>
-        <p:cNvPr id="1" name="Shape 66"/>
-        <p:cNvGrpSpPr/>
-        <p:nvPr/>
-      </p:nvGrpSpPr>
-      <p:grpSpPr>
-        <a:xfrm>
-          <a:off x="0" y="0"/>
-          <a:ext cx="0" cy="0"/>
-          <a:chOff x="0" y="0"/>
-          <a:chExt cx="0" cy="0"/>
-        </a:xfrm>
-      </p:grpSpPr>
-      <p:sp>
-        <p:nvSpPr>
-          <p:cNvPr id="67" name="Shape 67"/>
-          <p:cNvSpPr txBox="1">
-            <a:spLocks noGrp="1"/>
-          </p:cNvSpPr>
-          <p:nvPr>
-            <p:ph type="title"/>
-          </p:nvPr>
-        </p:nvSpPr>
-        <p:spPr>
-          <a:xfrm>
-            <a:off x="1106400" y="2241523"/>
-            <a:ext cx="7000200" cy="722100"/>
-          </a:xfrm>
-          <a:prstGeom prst="rect">
-            <a:avLst/>
-          </a:prstGeom>
-        </p:spPr>
-        <p:txBody>
-          <a:bodyPr lIns="91425" tIns="91425" rIns="91425" bIns="91425" anchor="ctr" anchorCtr="0">
-            <a:noAutofit/>
-          </a:bodyPr>
-          <a:lstStyle/>
-          <a:p>
-            <a:pPr lvl="0" algn="ctr" rtl="0">
-              <a:spcBef>
-                <a:spcPts val="0"/>
-              </a:spcBef>
-              <a:buNone/>
-            </a:pPr>
-            <a:r>
-              <a:rPr lang="en" sz="5000">
-                <a:solidFill>
-                  <a:srgbClr val="8C8C8C"/>
-                </a:solidFill>
-                <a:latin typeface="Ubuntu"/>
-                <a:ea typeface="Ubuntu"/>
-                <a:cs typeface="Ubuntu"/>
-                <a:sym typeface="Ubuntu"/>
-              </a:rPr>
-              <a:t>Obrigado</a:t>
-            </a:r>
-          </a:p>
-        </p:txBody>
-      </p:sp>
-      <p:sp>
-        <p:nvSpPr>
-          <p:cNvPr id="68" name="Shape 68"/>
-          <p:cNvSpPr txBox="1">
-            <a:spLocks noGrp="1"/>
-          </p:cNvSpPr>
-          <p:nvPr>
-            <p:ph type="title"/>
-          </p:nvPr>
-        </p:nvSpPr>
-        <p:spPr>
-          <a:xfrm rot="929954">
-            <a:off x="1106400" y="3052700"/>
-            <a:ext cx="7000200" cy="1481700"/>
-          </a:xfrm>
-          <a:prstGeom prst="rect">
-            <a:avLst/>
-          </a:prstGeom>
-        </p:spPr>
-        <p:txBody>
-          <a:bodyPr lIns="91425" tIns="91425" rIns="91425" bIns="91425" anchor="t" anchorCtr="0">
-            <a:noAutofit/>
-          </a:bodyPr>
-          <a:lstStyle/>
-          <a:p>
-            <a:pPr lvl="0" algn="ctr" rtl="0">
-              <a:lnSpc>
-                <a:spcPct val="100000"/>
-              </a:lnSpc>
-              <a:spcBef>
-                <a:spcPts val="0"/>
-              </a:spcBef>
-              <a:buNone/>
-            </a:pPr>
-            <a:r>
-              <a:rPr lang="pt-BR" sz="2000" b="0" dirty="0">
-                <a:solidFill>
-                  <a:srgbClr val="A4A4A4"/>
-                </a:solidFill>
-                <a:latin typeface="Ubuntu"/>
-                <a:ea typeface="Ubuntu"/>
-                <a:cs typeface="Ubuntu"/>
-                <a:sym typeface="Ubuntu"/>
-              </a:rPr>
-              <a:t>e</a:t>
-            </a:r>
-            <a:r>
-              <a:rPr lang="en" sz="2000" b="0" dirty="0" smtClean="0">
-                <a:solidFill>
-                  <a:srgbClr val="A4A4A4"/>
-                </a:solidFill>
-                <a:latin typeface="Ubuntu"/>
-                <a:ea typeface="Ubuntu"/>
-                <a:cs typeface="Ubuntu"/>
-                <a:sym typeface="Ubuntu"/>
-              </a:rPr>
-              <a:t>duardo.carvalho@akuntsu.com.br</a:t>
-            </a:r>
-            <a:endParaRPr lang="en" sz="2000" b="0" dirty="0">
-              <a:solidFill>
-                <a:srgbClr val="A4A4A4"/>
-              </a:solidFill>
-              <a:latin typeface="Ubuntu"/>
-              <a:ea typeface="Ubuntu"/>
-              <a:cs typeface="Ubuntu"/>
-              <a:sym typeface="Ubuntu"/>
-            </a:endParaRPr>
-          </a:p>
-          <a:p>
-            <a:pPr lvl="0" algn="l" rtl="0">
-              <a:lnSpc>
-                <a:spcPct val="100000"/>
-              </a:lnSpc>
-              <a:spcBef>
-                <a:spcPts val="0"/>
-              </a:spcBef>
-              <a:buNone/>
-            </a:pPr>
-            <a:endParaRPr sz="2000" b="0" dirty="0">
-              <a:solidFill>
-                <a:srgbClr val="B7B7B7"/>
-              </a:solidFill>
-              <a:latin typeface="Ubuntu"/>
-              <a:ea typeface="Ubuntu"/>
-              <a:cs typeface="Ubuntu"/>
-              <a:sym typeface="Ubuntu"/>
-            </a:endParaRPr>
-          </a:p>
-        </p:txBody>
-      </p:sp>
-      <p:pic>
-        <p:nvPicPr>
-          <p:cNvPr id="69" name="Shape 69"/>
-          <p:cNvPicPr preferRelativeResize="0"/>
-          <p:nvPr/>
-        </p:nvPicPr>
-        <p:blipFill>
-          <a:blip r:embed="rId3">
-            <a:alphaModFix/>
-          </a:blip>
-          <a:stretch>
-            <a:fillRect/>
-          </a:stretch>
-        </p:blipFill>
-        <p:spPr>
-          <a:xfrm>
-            <a:off x="7695475" y="4659770"/>
-            <a:ext cx="1296121" cy="331325"/>
-          </a:xfrm>
-          <a:prstGeom prst="rect">
-            <a:avLst/>
-          </a:prstGeom>
-          <a:noFill/>
-          <a:ln>
-            <a:noFill/>
-          </a:ln>
-        </p:spPr>
-      </p:pic>
-    </p:spTree>
   </p:cSld>
   <p:clrMapOvr>
     <a:masterClrMapping/>
